--- a/ppt 16-9/0735.我的心愿.pptx
+++ b/ppt 16-9/0735.我的心愿.pptx
@@ -129,7 +129,7 @@
           <p:cNvPr id="2" name="标题 1">
             <a:extLst>
               <a:ext uri="{FF2B5EF4-FFF2-40B4-BE49-F238E27FC236}">
-                <a16:creationId xmlns:a16="http://schemas.microsoft.com/office/drawing/2014/main" id="{66EF4390-0ADC-9317-723B-0021048C02F0}"/>
+                <a16:creationId xmlns:a16="http://schemas.microsoft.com/office/drawing/2014/main" id="{18D39625-57FE-B5DD-25B4-63C581619596}"/>
               </a:ext>
             </a:extLst>
           </p:cNvPr>
@@ -166,7 +166,7 @@
           <p:cNvPr id="3" name="副标题 2">
             <a:extLst>
               <a:ext uri="{FF2B5EF4-FFF2-40B4-BE49-F238E27FC236}">
-                <a16:creationId xmlns:a16="http://schemas.microsoft.com/office/drawing/2014/main" id="{C57041F3-D6B7-BF2A-5662-4CA356509865}"/>
+                <a16:creationId xmlns:a16="http://schemas.microsoft.com/office/drawing/2014/main" id="{943C01B2-DBE2-DFF7-CEF8-2E2279D62A5D}"/>
               </a:ext>
             </a:extLst>
           </p:cNvPr>
@@ -236,7 +236,7 @@
           <p:cNvPr id="4" name="日期占位符 3">
             <a:extLst>
               <a:ext uri="{FF2B5EF4-FFF2-40B4-BE49-F238E27FC236}">
-                <a16:creationId xmlns:a16="http://schemas.microsoft.com/office/drawing/2014/main" id="{575C6105-FB07-1950-DCD2-0C453F48B67C}"/>
+                <a16:creationId xmlns:a16="http://schemas.microsoft.com/office/drawing/2014/main" id="{34D99B4C-D6A1-62D4-E273-FB6CB1800447}"/>
               </a:ext>
             </a:extLst>
           </p:cNvPr>
@@ -252,7 +252,7 @@
           <a:bodyPr/>
           <a:lstStyle/>
           <a:p>
-            <a:fld id="{A3B25F7F-2ECD-4021-81AB-6EA1EE44746B}" type="datetimeFigureOut">
+            <a:fld id="{97B1A5D5-6A55-40B4-8D37-496C09E0767C}" type="datetimeFigureOut">
               <a:rPr lang="zh-CN" altLang="en-US" smtClean="0"/>
               <a:t>2024/3/10</a:t>
             </a:fld>
@@ -265,7 +265,7 @@
           <p:cNvPr id="5" name="页脚占位符 4">
             <a:extLst>
               <a:ext uri="{FF2B5EF4-FFF2-40B4-BE49-F238E27FC236}">
-                <a16:creationId xmlns:a16="http://schemas.microsoft.com/office/drawing/2014/main" id="{61D122BB-4AF3-1C30-023D-45EEAFCA84B5}"/>
+                <a16:creationId xmlns:a16="http://schemas.microsoft.com/office/drawing/2014/main" id="{0AB287EC-9720-FA96-B3B6-E3EADBD797C2}"/>
               </a:ext>
             </a:extLst>
           </p:cNvPr>
@@ -290,7 +290,7 @@
           <p:cNvPr id="6" name="灯片编号占位符 5">
             <a:extLst>
               <a:ext uri="{FF2B5EF4-FFF2-40B4-BE49-F238E27FC236}">
-                <a16:creationId xmlns:a16="http://schemas.microsoft.com/office/drawing/2014/main" id="{C5AA0E3B-B5F4-AFE6-E71D-CC4893F3A1FD}"/>
+                <a16:creationId xmlns:a16="http://schemas.microsoft.com/office/drawing/2014/main" id="{C7A64E98-51B0-0D0C-8408-A74065C8F92F}"/>
               </a:ext>
             </a:extLst>
           </p:cNvPr>
@@ -306,7 +306,7 @@
           <a:bodyPr/>
           <a:lstStyle/>
           <a:p>
-            <a:fld id="{DCCAE78D-94C0-4001-BD34-E811D60F41B0}" type="slidenum">
+            <a:fld id="{4C3A910D-BA27-4DF1-A78E-DD5B2EFE666E}" type="slidenum">
               <a:rPr lang="zh-CN" altLang="en-US" smtClean="0"/>
               <a:t>‹#›</a:t>
             </a:fld>
@@ -317,7 +317,7 @@
     </p:spTree>
     <p:extLst>
       <p:ext uri="{BB962C8B-B14F-4D97-AF65-F5344CB8AC3E}">
-        <p14:creationId xmlns:p14="http://schemas.microsoft.com/office/powerpoint/2010/main" val="2387374998"/>
+        <p14:creationId xmlns:p14="http://schemas.microsoft.com/office/powerpoint/2010/main" val="3131699996"/>
       </p:ext>
     </p:extLst>
   </p:cSld>
@@ -349,7 +349,7 @@
           <p:cNvPr id="2" name="标题 1">
             <a:extLst>
               <a:ext uri="{FF2B5EF4-FFF2-40B4-BE49-F238E27FC236}">
-                <a16:creationId xmlns:a16="http://schemas.microsoft.com/office/drawing/2014/main" id="{AFC561E8-0883-9573-5332-F53AD52200CA}"/>
+                <a16:creationId xmlns:a16="http://schemas.microsoft.com/office/drawing/2014/main" id="{B023EBF7-5D7D-DA60-ED1D-E609312FE774}"/>
               </a:ext>
             </a:extLst>
           </p:cNvPr>
@@ -377,7 +377,7 @@
           <p:cNvPr id="3" name="竖排文字占位符 2">
             <a:extLst>
               <a:ext uri="{FF2B5EF4-FFF2-40B4-BE49-F238E27FC236}">
-                <a16:creationId xmlns:a16="http://schemas.microsoft.com/office/drawing/2014/main" id="{A1BE7B7B-87DA-2C96-A524-ACF0AA39634F}"/>
+                <a16:creationId xmlns:a16="http://schemas.microsoft.com/office/drawing/2014/main" id="{173D12C8-AD46-1246-9C83-5E667C2D983E}"/>
               </a:ext>
             </a:extLst>
           </p:cNvPr>
@@ -434,7 +434,7 @@
           <p:cNvPr id="4" name="日期占位符 3">
             <a:extLst>
               <a:ext uri="{FF2B5EF4-FFF2-40B4-BE49-F238E27FC236}">
-                <a16:creationId xmlns:a16="http://schemas.microsoft.com/office/drawing/2014/main" id="{4DF0F2B4-DDD3-9AC4-287D-7970FD793847}"/>
+                <a16:creationId xmlns:a16="http://schemas.microsoft.com/office/drawing/2014/main" id="{537D0FB2-5177-5AD8-D510-9D89062B09E0}"/>
               </a:ext>
             </a:extLst>
           </p:cNvPr>
@@ -450,7 +450,7 @@
           <a:bodyPr/>
           <a:lstStyle/>
           <a:p>
-            <a:fld id="{A3B25F7F-2ECD-4021-81AB-6EA1EE44746B}" type="datetimeFigureOut">
+            <a:fld id="{97B1A5D5-6A55-40B4-8D37-496C09E0767C}" type="datetimeFigureOut">
               <a:rPr lang="zh-CN" altLang="en-US" smtClean="0"/>
               <a:t>2024/3/10</a:t>
             </a:fld>
@@ -463,7 +463,7 @@
           <p:cNvPr id="5" name="页脚占位符 4">
             <a:extLst>
               <a:ext uri="{FF2B5EF4-FFF2-40B4-BE49-F238E27FC236}">
-                <a16:creationId xmlns:a16="http://schemas.microsoft.com/office/drawing/2014/main" id="{F366B92D-6F2C-A1F7-7857-293CB1A7B566}"/>
+                <a16:creationId xmlns:a16="http://schemas.microsoft.com/office/drawing/2014/main" id="{A1BB778A-5D42-F679-300B-793F22920493}"/>
               </a:ext>
             </a:extLst>
           </p:cNvPr>
@@ -488,7 +488,7 @@
           <p:cNvPr id="6" name="灯片编号占位符 5">
             <a:extLst>
               <a:ext uri="{FF2B5EF4-FFF2-40B4-BE49-F238E27FC236}">
-                <a16:creationId xmlns:a16="http://schemas.microsoft.com/office/drawing/2014/main" id="{10F58190-0F14-EE2C-D9E0-EAA46EA7141C}"/>
+                <a16:creationId xmlns:a16="http://schemas.microsoft.com/office/drawing/2014/main" id="{4F861EBD-698C-FE15-1FA5-3FC2D2C862E4}"/>
               </a:ext>
             </a:extLst>
           </p:cNvPr>
@@ -504,7 +504,7 @@
           <a:bodyPr/>
           <a:lstStyle/>
           <a:p>
-            <a:fld id="{DCCAE78D-94C0-4001-BD34-E811D60F41B0}" type="slidenum">
+            <a:fld id="{4C3A910D-BA27-4DF1-A78E-DD5B2EFE666E}" type="slidenum">
               <a:rPr lang="zh-CN" altLang="en-US" smtClean="0"/>
               <a:t>‹#›</a:t>
             </a:fld>
@@ -515,7 +515,7 @@
     </p:spTree>
     <p:extLst>
       <p:ext uri="{BB962C8B-B14F-4D97-AF65-F5344CB8AC3E}">
-        <p14:creationId xmlns:p14="http://schemas.microsoft.com/office/powerpoint/2010/main" val="4173475354"/>
+        <p14:creationId xmlns:p14="http://schemas.microsoft.com/office/powerpoint/2010/main" val="235660347"/>
       </p:ext>
     </p:extLst>
   </p:cSld>
@@ -547,7 +547,7 @@
           <p:cNvPr id="2" name="竖排标题 1">
             <a:extLst>
               <a:ext uri="{FF2B5EF4-FFF2-40B4-BE49-F238E27FC236}">
-                <a16:creationId xmlns:a16="http://schemas.microsoft.com/office/drawing/2014/main" id="{E0938AE7-C2FD-C438-F306-75A243384121}"/>
+                <a16:creationId xmlns:a16="http://schemas.microsoft.com/office/drawing/2014/main" id="{CEB20E92-18CB-AFCE-B9B9-BB39A37831E0}"/>
               </a:ext>
             </a:extLst>
           </p:cNvPr>
@@ -580,7 +580,7 @@
           <p:cNvPr id="3" name="竖排文字占位符 2">
             <a:extLst>
               <a:ext uri="{FF2B5EF4-FFF2-40B4-BE49-F238E27FC236}">
-                <a16:creationId xmlns:a16="http://schemas.microsoft.com/office/drawing/2014/main" id="{D685B1C0-2AA0-B51E-1A36-E1F9F3AF86F9}"/>
+                <a16:creationId xmlns:a16="http://schemas.microsoft.com/office/drawing/2014/main" id="{AF3DCF8F-9F07-6FC7-56DE-B2788FC41171}"/>
               </a:ext>
             </a:extLst>
           </p:cNvPr>
@@ -642,7 +642,7 @@
           <p:cNvPr id="4" name="日期占位符 3">
             <a:extLst>
               <a:ext uri="{FF2B5EF4-FFF2-40B4-BE49-F238E27FC236}">
-                <a16:creationId xmlns:a16="http://schemas.microsoft.com/office/drawing/2014/main" id="{4AFA8E38-953F-3664-1C13-4538B7A2DB8F}"/>
+                <a16:creationId xmlns:a16="http://schemas.microsoft.com/office/drawing/2014/main" id="{814C8D24-4E07-C2B1-CE83-B58FBCE48926}"/>
               </a:ext>
             </a:extLst>
           </p:cNvPr>
@@ -658,7 +658,7 @@
           <a:bodyPr/>
           <a:lstStyle/>
           <a:p>
-            <a:fld id="{A3B25F7F-2ECD-4021-81AB-6EA1EE44746B}" type="datetimeFigureOut">
+            <a:fld id="{97B1A5D5-6A55-40B4-8D37-496C09E0767C}" type="datetimeFigureOut">
               <a:rPr lang="zh-CN" altLang="en-US" smtClean="0"/>
               <a:t>2024/3/10</a:t>
             </a:fld>
@@ -671,7 +671,7 @@
           <p:cNvPr id="5" name="页脚占位符 4">
             <a:extLst>
               <a:ext uri="{FF2B5EF4-FFF2-40B4-BE49-F238E27FC236}">
-                <a16:creationId xmlns:a16="http://schemas.microsoft.com/office/drawing/2014/main" id="{5C7B48C5-44E4-501F-93D6-A2578CF05590}"/>
+                <a16:creationId xmlns:a16="http://schemas.microsoft.com/office/drawing/2014/main" id="{3B95A5D2-C12F-14EA-F776-DF4B8B3FFAD3}"/>
               </a:ext>
             </a:extLst>
           </p:cNvPr>
@@ -696,7 +696,7 @@
           <p:cNvPr id="6" name="灯片编号占位符 5">
             <a:extLst>
               <a:ext uri="{FF2B5EF4-FFF2-40B4-BE49-F238E27FC236}">
-                <a16:creationId xmlns:a16="http://schemas.microsoft.com/office/drawing/2014/main" id="{2CF32E6A-DD91-81A0-3961-77A1D33FCEC3}"/>
+                <a16:creationId xmlns:a16="http://schemas.microsoft.com/office/drawing/2014/main" id="{DD852C59-11E6-AF16-3543-BBD80253616A}"/>
               </a:ext>
             </a:extLst>
           </p:cNvPr>
@@ -712,7 +712,7 @@
           <a:bodyPr/>
           <a:lstStyle/>
           <a:p>
-            <a:fld id="{DCCAE78D-94C0-4001-BD34-E811D60F41B0}" type="slidenum">
+            <a:fld id="{4C3A910D-BA27-4DF1-A78E-DD5B2EFE666E}" type="slidenum">
               <a:rPr lang="zh-CN" altLang="en-US" smtClean="0"/>
               <a:t>‹#›</a:t>
             </a:fld>
@@ -723,7 +723,7 @@
     </p:spTree>
     <p:extLst>
       <p:ext uri="{BB962C8B-B14F-4D97-AF65-F5344CB8AC3E}">
-        <p14:creationId xmlns:p14="http://schemas.microsoft.com/office/powerpoint/2010/main" val="128364791"/>
+        <p14:creationId xmlns:p14="http://schemas.microsoft.com/office/powerpoint/2010/main" val="1475798482"/>
       </p:ext>
     </p:extLst>
   </p:cSld>
@@ -755,7 +755,7 @@
           <p:cNvPr id="2" name="标题 1">
             <a:extLst>
               <a:ext uri="{FF2B5EF4-FFF2-40B4-BE49-F238E27FC236}">
-                <a16:creationId xmlns:a16="http://schemas.microsoft.com/office/drawing/2014/main" id="{49D7F00F-F280-E8EB-565B-64923A666940}"/>
+                <a16:creationId xmlns:a16="http://schemas.microsoft.com/office/drawing/2014/main" id="{1C55CAF4-919A-C8C8-7CED-D28C61E4B57F}"/>
               </a:ext>
             </a:extLst>
           </p:cNvPr>
@@ -783,7 +783,7 @@
           <p:cNvPr id="3" name="内容占位符 2">
             <a:extLst>
               <a:ext uri="{FF2B5EF4-FFF2-40B4-BE49-F238E27FC236}">
-                <a16:creationId xmlns:a16="http://schemas.microsoft.com/office/drawing/2014/main" id="{FB7D95BF-0568-2DC4-AB39-411B4FCEBCB0}"/>
+                <a16:creationId xmlns:a16="http://schemas.microsoft.com/office/drawing/2014/main" id="{B6CFF0EE-6FD6-9D48-0665-DC285E0F66F5}"/>
               </a:ext>
             </a:extLst>
           </p:cNvPr>
@@ -840,7 +840,7 @@
           <p:cNvPr id="4" name="日期占位符 3">
             <a:extLst>
               <a:ext uri="{FF2B5EF4-FFF2-40B4-BE49-F238E27FC236}">
-                <a16:creationId xmlns:a16="http://schemas.microsoft.com/office/drawing/2014/main" id="{8A384E61-1F9C-7C89-22B3-9E97AEAAB95A}"/>
+                <a16:creationId xmlns:a16="http://schemas.microsoft.com/office/drawing/2014/main" id="{CA28A04B-B534-5F3A-C920-95F5BC9101E7}"/>
               </a:ext>
             </a:extLst>
           </p:cNvPr>
@@ -856,7 +856,7 @@
           <a:bodyPr/>
           <a:lstStyle/>
           <a:p>
-            <a:fld id="{A3B25F7F-2ECD-4021-81AB-6EA1EE44746B}" type="datetimeFigureOut">
+            <a:fld id="{97B1A5D5-6A55-40B4-8D37-496C09E0767C}" type="datetimeFigureOut">
               <a:rPr lang="zh-CN" altLang="en-US" smtClean="0"/>
               <a:t>2024/3/10</a:t>
             </a:fld>
@@ -869,7 +869,7 @@
           <p:cNvPr id="5" name="页脚占位符 4">
             <a:extLst>
               <a:ext uri="{FF2B5EF4-FFF2-40B4-BE49-F238E27FC236}">
-                <a16:creationId xmlns:a16="http://schemas.microsoft.com/office/drawing/2014/main" id="{56312CB3-C068-1F41-10DC-BFB027195106}"/>
+                <a16:creationId xmlns:a16="http://schemas.microsoft.com/office/drawing/2014/main" id="{451D9C35-0563-A05C-A136-7515098A8AE9}"/>
               </a:ext>
             </a:extLst>
           </p:cNvPr>
@@ -894,7 +894,7 @@
           <p:cNvPr id="6" name="灯片编号占位符 5">
             <a:extLst>
               <a:ext uri="{FF2B5EF4-FFF2-40B4-BE49-F238E27FC236}">
-                <a16:creationId xmlns:a16="http://schemas.microsoft.com/office/drawing/2014/main" id="{D21170A3-97F0-5AD9-58A3-919E31ED9EAB}"/>
+                <a16:creationId xmlns:a16="http://schemas.microsoft.com/office/drawing/2014/main" id="{65DC2A8A-1881-064C-1479-16F2F59881A1}"/>
               </a:ext>
             </a:extLst>
           </p:cNvPr>
@@ -910,7 +910,7 @@
           <a:bodyPr/>
           <a:lstStyle/>
           <a:p>
-            <a:fld id="{DCCAE78D-94C0-4001-BD34-E811D60F41B0}" type="slidenum">
+            <a:fld id="{4C3A910D-BA27-4DF1-A78E-DD5B2EFE666E}" type="slidenum">
               <a:rPr lang="zh-CN" altLang="en-US" smtClean="0"/>
               <a:t>‹#›</a:t>
             </a:fld>
@@ -921,7 +921,7 @@
     </p:spTree>
     <p:extLst>
       <p:ext uri="{BB962C8B-B14F-4D97-AF65-F5344CB8AC3E}">
-        <p14:creationId xmlns:p14="http://schemas.microsoft.com/office/powerpoint/2010/main" val="3882890072"/>
+        <p14:creationId xmlns:p14="http://schemas.microsoft.com/office/powerpoint/2010/main" val="2291962121"/>
       </p:ext>
     </p:extLst>
   </p:cSld>
@@ -953,7 +953,7 @@
           <p:cNvPr id="2" name="标题 1">
             <a:extLst>
               <a:ext uri="{FF2B5EF4-FFF2-40B4-BE49-F238E27FC236}">
-                <a16:creationId xmlns:a16="http://schemas.microsoft.com/office/drawing/2014/main" id="{EE880437-1FFF-A0BD-02C6-2332752C5D78}"/>
+                <a16:creationId xmlns:a16="http://schemas.microsoft.com/office/drawing/2014/main" id="{DFB5493D-D2F5-153B-6C1B-65E3D6C2020C}"/>
               </a:ext>
             </a:extLst>
           </p:cNvPr>
@@ -990,7 +990,7 @@
           <p:cNvPr id="3" name="文本占位符 2">
             <a:extLst>
               <a:ext uri="{FF2B5EF4-FFF2-40B4-BE49-F238E27FC236}">
-                <a16:creationId xmlns:a16="http://schemas.microsoft.com/office/drawing/2014/main" id="{125D6A36-ADF0-3B87-2EE7-2E313D7AC4E8}"/>
+                <a16:creationId xmlns:a16="http://schemas.microsoft.com/office/drawing/2014/main" id="{B53A3316-28C4-8F16-D43B-4210B2D11B1B}"/>
               </a:ext>
             </a:extLst>
           </p:cNvPr>
@@ -1115,7 +1115,7 @@
           <p:cNvPr id="4" name="日期占位符 3">
             <a:extLst>
               <a:ext uri="{FF2B5EF4-FFF2-40B4-BE49-F238E27FC236}">
-                <a16:creationId xmlns:a16="http://schemas.microsoft.com/office/drawing/2014/main" id="{22BAE582-78E2-5E17-229A-BC03623DC566}"/>
+                <a16:creationId xmlns:a16="http://schemas.microsoft.com/office/drawing/2014/main" id="{1DC12090-B2E5-1427-F654-91002A383AB7}"/>
               </a:ext>
             </a:extLst>
           </p:cNvPr>
@@ -1131,7 +1131,7 @@
           <a:bodyPr/>
           <a:lstStyle/>
           <a:p>
-            <a:fld id="{A3B25F7F-2ECD-4021-81AB-6EA1EE44746B}" type="datetimeFigureOut">
+            <a:fld id="{97B1A5D5-6A55-40B4-8D37-496C09E0767C}" type="datetimeFigureOut">
               <a:rPr lang="zh-CN" altLang="en-US" smtClean="0"/>
               <a:t>2024/3/10</a:t>
             </a:fld>
@@ -1144,7 +1144,7 @@
           <p:cNvPr id="5" name="页脚占位符 4">
             <a:extLst>
               <a:ext uri="{FF2B5EF4-FFF2-40B4-BE49-F238E27FC236}">
-                <a16:creationId xmlns:a16="http://schemas.microsoft.com/office/drawing/2014/main" id="{72D3BFE9-C3BB-4FFD-F739-558725433502}"/>
+                <a16:creationId xmlns:a16="http://schemas.microsoft.com/office/drawing/2014/main" id="{9BCE5495-B0C6-76FC-C4B9-B59A7C081755}"/>
               </a:ext>
             </a:extLst>
           </p:cNvPr>
@@ -1169,7 +1169,7 @@
           <p:cNvPr id="6" name="灯片编号占位符 5">
             <a:extLst>
               <a:ext uri="{FF2B5EF4-FFF2-40B4-BE49-F238E27FC236}">
-                <a16:creationId xmlns:a16="http://schemas.microsoft.com/office/drawing/2014/main" id="{045D8397-CB08-905C-B4FA-F0FADC938C39}"/>
+                <a16:creationId xmlns:a16="http://schemas.microsoft.com/office/drawing/2014/main" id="{E83E79D5-D2A5-A320-E0CB-268521B967E9}"/>
               </a:ext>
             </a:extLst>
           </p:cNvPr>
@@ -1185,7 +1185,7 @@
           <a:bodyPr/>
           <a:lstStyle/>
           <a:p>
-            <a:fld id="{DCCAE78D-94C0-4001-BD34-E811D60F41B0}" type="slidenum">
+            <a:fld id="{4C3A910D-BA27-4DF1-A78E-DD5B2EFE666E}" type="slidenum">
               <a:rPr lang="zh-CN" altLang="en-US" smtClean="0"/>
               <a:t>‹#›</a:t>
             </a:fld>
@@ -1196,7 +1196,7 @@
     </p:spTree>
     <p:extLst>
       <p:ext uri="{BB962C8B-B14F-4D97-AF65-F5344CB8AC3E}">
-        <p14:creationId xmlns:p14="http://schemas.microsoft.com/office/powerpoint/2010/main" val="1230275293"/>
+        <p14:creationId xmlns:p14="http://schemas.microsoft.com/office/powerpoint/2010/main" val="1341718238"/>
       </p:ext>
     </p:extLst>
   </p:cSld>
@@ -1228,7 +1228,7 @@
           <p:cNvPr id="2" name="标题 1">
             <a:extLst>
               <a:ext uri="{FF2B5EF4-FFF2-40B4-BE49-F238E27FC236}">
-                <a16:creationId xmlns:a16="http://schemas.microsoft.com/office/drawing/2014/main" id="{8601858E-5568-9C1F-1A37-87FE3BB18A3C}"/>
+                <a16:creationId xmlns:a16="http://schemas.microsoft.com/office/drawing/2014/main" id="{43A0111D-8E76-495F-8442-8EED1265B5A2}"/>
               </a:ext>
             </a:extLst>
           </p:cNvPr>
@@ -1256,7 +1256,7 @@
           <p:cNvPr id="3" name="内容占位符 2">
             <a:extLst>
               <a:ext uri="{FF2B5EF4-FFF2-40B4-BE49-F238E27FC236}">
-                <a16:creationId xmlns:a16="http://schemas.microsoft.com/office/drawing/2014/main" id="{2924B28F-AB29-4A9D-FFC1-9DA4E427E3D7}"/>
+                <a16:creationId xmlns:a16="http://schemas.microsoft.com/office/drawing/2014/main" id="{47F63E89-D554-6D3C-536B-067D71E2E019}"/>
               </a:ext>
             </a:extLst>
           </p:cNvPr>
@@ -1318,7 +1318,7 @@
           <p:cNvPr id="4" name="内容占位符 3">
             <a:extLst>
               <a:ext uri="{FF2B5EF4-FFF2-40B4-BE49-F238E27FC236}">
-                <a16:creationId xmlns:a16="http://schemas.microsoft.com/office/drawing/2014/main" id="{4533B40F-B6A1-8CFC-42AF-DA6F0261F1E4}"/>
+                <a16:creationId xmlns:a16="http://schemas.microsoft.com/office/drawing/2014/main" id="{F771E5A8-0E9E-CB55-3E63-D4AFD68CA895}"/>
               </a:ext>
             </a:extLst>
           </p:cNvPr>
@@ -1380,7 +1380,7 @@
           <p:cNvPr id="5" name="日期占位符 4">
             <a:extLst>
               <a:ext uri="{FF2B5EF4-FFF2-40B4-BE49-F238E27FC236}">
-                <a16:creationId xmlns:a16="http://schemas.microsoft.com/office/drawing/2014/main" id="{82FA2DDA-9680-C07E-50F2-59878FCFB451}"/>
+                <a16:creationId xmlns:a16="http://schemas.microsoft.com/office/drawing/2014/main" id="{58D62F49-CFC3-6D6F-8FAD-0AD7A524A086}"/>
               </a:ext>
             </a:extLst>
           </p:cNvPr>
@@ -1396,7 +1396,7 @@
           <a:bodyPr/>
           <a:lstStyle/>
           <a:p>
-            <a:fld id="{A3B25F7F-2ECD-4021-81AB-6EA1EE44746B}" type="datetimeFigureOut">
+            <a:fld id="{97B1A5D5-6A55-40B4-8D37-496C09E0767C}" type="datetimeFigureOut">
               <a:rPr lang="zh-CN" altLang="en-US" smtClean="0"/>
               <a:t>2024/3/10</a:t>
             </a:fld>
@@ -1409,7 +1409,7 @@
           <p:cNvPr id="6" name="页脚占位符 5">
             <a:extLst>
               <a:ext uri="{FF2B5EF4-FFF2-40B4-BE49-F238E27FC236}">
-                <a16:creationId xmlns:a16="http://schemas.microsoft.com/office/drawing/2014/main" id="{C0140D75-96CD-C1D6-1183-A683AFA5EF17}"/>
+                <a16:creationId xmlns:a16="http://schemas.microsoft.com/office/drawing/2014/main" id="{80E42254-A89C-81B5-95C9-10BCBE9C5C7D}"/>
               </a:ext>
             </a:extLst>
           </p:cNvPr>
@@ -1434,7 +1434,7 @@
           <p:cNvPr id="7" name="灯片编号占位符 6">
             <a:extLst>
               <a:ext uri="{FF2B5EF4-FFF2-40B4-BE49-F238E27FC236}">
-                <a16:creationId xmlns:a16="http://schemas.microsoft.com/office/drawing/2014/main" id="{58A7280C-E7E4-23FD-E7F8-D905611FF95F}"/>
+                <a16:creationId xmlns:a16="http://schemas.microsoft.com/office/drawing/2014/main" id="{372D88EE-BBCA-075D-2C08-6CDB5F4B2C9C}"/>
               </a:ext>
             </a:extLst>
           </p:cNvPr>
@@ -1450,7 +1450,7 @@
           <a:bodyPr/>
           <a:lstStyle/>
           <a:p>
-            <a:fld id="{DCCAE78D-94C0-4001-BD34-E811D60F41B0}" type="slidenum">
+            <a:fld id="{4C3A910D-BA27-4DF1-A78E-DD5B2EFE666E}" type="slidenum">
               <a:rPr lang="zh-CN" altLang="en-US" smtClean="0"/>
               <a:t>‹#›</a:t>
             </a:fld>
@@ -1461,7 +1461,7 @@
     </p:spTree>
     <p:extLst>
       <p:ext uri="{BB962C8B-B14F-4D97-AF65-F5344CB8AC3E}">
-        <p14:creationId xmlns:p14="http://schemas.microsoft.com/office/powerpoint/2010/main" val="998410544"/>
+        <p14:creationId xmlns:p14="http://schemas.microsoft.com/office/powerpoint/2010/main" val="817734275"/>
       </p:ext>
     </p:extLst>
   </p:cSld>
@@ -1493,7 +1493,7 @@
           <p:cNvPr id="2" name="标题 1">
             <a:extLst>
               <a:ext uri="{FF2B5EF4-FFF2-40B4-BE49-F238E27FC236}">
-                <a16:creationId xmlns:a16="http://schemas.microsoft.com/office/drawing/2014/main" id="{8F3CE037-E733-B6BE-10E1-27AF68AC39E7}"/>
+                <a16:creationId xmlns:a16="http://schemas.microsoft.com/office/drawing/2014/main" id="{7FC4ACBA-45F6-38D4-7C9B-B83E76D48678}"/>
               </a:ext>
             </a:extLst>
           </p:cNvPr>
@@ -1526,7 +1526,7 @@
           <p:cNvPr id="3" name="文本占位符 2">
             <a:extLst>
               <a:ext uri="{FF2B5EF4-FFF2-40B4-BE49-F238E27FC236}">
-                <a16:creationId xmlns:a16="http://schemas.microsoft.com/office/drawing/2014/main" id="{2F4CEE60-0BB0-55C6-49B7-E4D5DE0CEDFA}"/>
+                <a16:creationId xmlns:a16="http://schemas.microsoft.com/office/drawing/2014/main" id="{26A3BF6A-19EF-5EF0-D102-0B66ED939133}"/>
               </a:ext>
             </a:extLst>
           </p:cNvPr>
@@ -1597,7 +1597,7 @@
           <p:cNvPr id="4" name="内容占位符 3">
             <a:extLst>
               <a:ext uri="{FF2B5EF4-FFF2-40B4-BE49-F238E27FC236}">
-                <a16:creationId xmlns:a16="http://schemas.microsoft.com/office/drawing/2014/main" id="{2731BBF4-BC9F-13BA-83B8-1D5E264F9BA3}"/>
+                <a16:creationId xmlns:a16="http://schemas.microsoft.com/office/drawing/2014/main" id="{8E12250A-D20F-8470-7759-AB4872E8766F}"/>
               </a:ext>
             </a:extLst>
           </p:cNvPr>
@@ -1659,7 +1659,7 @@
           <p:cNvPr id="5" name="文本占位符 4">
             <a:extLst>
               <a:ext uri="{FF2B5EF4-FFF2-40B4-BE49-F238E27FC236}">
-                <a16:creationId xmlns:a16="http://schemas.microsoft.com/office/drawing/2014/main" id="{BDFB3E65-F063-41F5-EC25-47CBA75C62B6}"/>
+                <a16:creationId xmlns:a16="http://schemas.microsoft.com/office/drawing/2014/main" id="{88F0E6E0-02DC-5155-66DB-09B20F43E71D}"/>
               </a:ext>
             </a:extLst>
           </p:cNvPr>
@@ -1730,7 +1730,7 @@
           <p:cNvPr id="6" name="内容占位符 5">
             <a:extLst>
               <a:ext uri="{FF2B5EF4-FFF2-40B4-BE49-F238E27FC236}">
-                <a16:creationId xmlns:a16="http://schemas.microsoft.com/office/drawing/2014/main" id="{6153A28C-FC7D-2035-FAF8-80702269DB57}"/>
+                <a16:creationId xmlns:a16="http://schemas.microsoft.com/office/drawing/2014/main" id="{83D2FB84-BB68-411F-2BD7-0B6C5C1B79A1}"/>
               </a:ext>
             </a:extLst>
           </p:cNvPr>
@@ -1792,7 +1792,7 @@
           <p:cNvPr id="7" name="日期占位符 6">
             <a:extLst>
               <a:ext uri="{FF2B5EF4-FFF2-40B4-BE49-F238E27FC236}">
-                <a16:creationId xmlns:a16="http://schemas.microsoft.com/office/drawing/2014/main" id="{C093D4B9-80D1-EAC7-3E7A-A5F0780955E7}"/>
+                <a16:creationId xmlns:a16="http://schemas.microsoft.com/office/drawing/2014/main" id="{D7EE2C0E-3E1B-6700-051C-D2B1D903FA6A}"/>
               </a:ext>
             </a:extLst>
           </p:cNvPr>
@@ -1808,7 +1808,7 @@
           <a:bodyPr/>
           <a:lstStyle/>
           <a:p>
-            <a:fld id="{A3B25F7F-2ECD-4021-81AB-6EA1EE44746B}" type="datetimeFigureOut">
+            <a:fld id="{97B1A5D5-6A55-40B4-8D37-496C09E0767C}" type="datetimeFigureOut">
               <a:rPr lang="zh-CN" altLang="en-US" smtClean="0"/>
               <a:t>2024/3/10</a:t>
             </a:fld>
@@ -1821,7 +1821,7 @@
           <p:cNvPr id="8" name="页脚占位符 7">
             <a:extLst>
               <a:ext uri="{FF2B5EF4-FFF2-40B4-BE49-F238E27FC236}">
-                <a16:creationId xmlns:a16="http://schemas.microsoft.com/office/drawing/2014/main" id="{1A1C4458-11C7-7BC2-D698-285DABC63BC2}"/>
+                <a16:creationId xmlns:a16="http://schemas.microsoft.com/office/drawing/2014/main" id="{AF4EF8A8-BECE-3401-ED43-DFF2CFC29AA5}"/>
               </a:ext>
             </a:extLst>
           </p:cNvPr>
@@ -1846,7 +1846,7 @@
           <p:cNvPr id="9" name="灯片编号占位符 8">
             <a:extLst>
               <a:ext uri="{FF2B5EF4-FFF2-40B4-BE49-F238E27FC236}">
-                <a16:creationId xmlns:a16="http://schemas.microsoft.com/office/drawing/2014/main" id="{B59B84CE-0F35-C8E2-B128-97D79B1C0084}"/>
+                <a16:creationId xmlns:a16="http://schemas.microsoft.com/office/drawing/2014/main" id="{EF8C641D-9BF3-8DC6-E865-739940C101B4}"/>
               </a:ext>
             </a:extLst>
           </p:cNvPr>
@@ -1862,7 +1862,7 @@
           <a:bodyPr/>
           <a:lstStyle/>
           <a:p>
-            <a:fld id="{DCCAE78D-94C0-4001-BD34-E811D60F41B0}" type="slidenum">
+            <a:fld id="{4C3A910D-BA27-4DF1-A78E-DD5B2EFE666E}" type="slidenum">
               <a:rPr lang="zh-CN" altLang="en-US" smtClean="0"/>
               <a:t>‹#›</a:t>
             </a:fld>
@@ -1873,7 +1873,7 @@
     </p:spTree>
     <p:extLst>
       <p:ext uri="{BB962C8B-B14F-4D97-AF65-F5344CB8AC3E}">
-        <p14:creationId xmlns:p14="http://schemas.microsoft.com/office/powerpoint/2010/main" val="4188144450"/>
+        <p14:creationId xmlns:p14="http://schemas.microsoft.com/office/powerpoint/2010/main" val="2854240078"/>
       </p:ext>
     </p:extLst>
   </p:cSld>
@@ -1905,7 +1905,7 @@
           <p:cNvPr id="2" name="标题 1">
             <a:extLst>
               <a:ext uri="{FF2B5EF4-FFF2-40B4-BE49-F238E27FC236}">
-                <a16:creationId xmlns:a16="http://schemas.microsoft.com/office/drawing/2014/main" id="{013871F5-6908-4430-30EC-3142E54070D1}"/>
+                <a16:creationId xmlns:a16="http://schemas.microsoft.com/office/drawing/2014/main" id="{86B765FC-A902-AD7F-2C2B-9ACC725F622E}"/>
               </a:ext>
             </a:extLst>
           </p:cNvPr>
@@ -1933,7 +1933,7 @@
           <p:cNvPr id="3" name="日期占位符 2">
             <a:extLst>
               <a:ext uri="{FF2B5EF4-FFF2-40B4-BE49-F238E27FC236}">
-                <a16:creationId xmlns:a16="http://schemas.microsoft.com/office/drawing/2014/main" id="{B1D6F53D-5017-4925-A01A-20ED03A88E44}"/>
+                <a16:creationId xmlns:a16="http://schemas.microsoft.com/office/drawing/2014/main" id="{B0EEA52B-96EB-9B8F-098F-09C0DC0ED740}"/>
               </a:ext>
             </a:extLst>
           </p:cNvPr>
@@ -1949,7 +1949,7 @@
           <a:bodyPr/>
           <a:lstStyle/>
           <a:p>
-            <a:fld id="{A3B25F7F-2ECD-4021-81AB-6EA1EE44746B}" type="datetimeFigureOut">
+            <a:fld id="{97B1A5D5-6A55-40B4-8D37-496C09E0767C}" type="datetimeFigureOut">
               <a:rPr lang="zh-CN" altLang="en-US" smtClean="0"/>
               <a:t>2024/3/10</a:t>
             </a:fld>
@@ -1962,7 +1962,7 @@
           <p:cNvPr id="4" name="页脚占位符 3">
             <a:extLst>
               <a:ext uri="{FF2B5EF4-FFF2-40B4-BE49-F238E27FC236}">
-                <a16:creationId xmlns:a16="http://schemas.microsoft.com/office/drawing/2014/main" id="{80A7AA06-993E-0EE7-DE58-385C100884E9}"/>
+                <a16:creationId xmlns:a16="http://schemas.microsoft.com/office/drawing/2014/main" id="{0DFB6E14-F8FB-C35B-F796-3CA5101685F3}"/>
               </a:ext>
             </a:extLst>
           </p:cNvPr>
@@ -1987,7 +1987,7 @@
           <p:cNvPr id="5" name="灯片编号占位符 4">
             <a:extLst>
               <a:ext uri="{FF2B5EF4-FFF2-40B4-BE49-F238E27FC236}">
-                <a16:creationId xmlns:a16="http://schemas.microsoft.com/office/drawing/2014/main" id="{8E6F94C5-8E46-9D5B-0B77-895D25EAE7BD}"/>
+                <a16:creationId xmlns:a16="http://schemas.microsoft.com/office/drawing/2014/main" id="{F5DA482A-9B3C-8F0A-A56B-F22A1ACD317B}"/>
               </a:ext>
             </a:extLst>
           </p:cNvPr>
@@ -2003,7 +2003,7 @@
           <a:bodyPr/>
           <a:lstStyle/>
           <a:p>
-            <a:fld id="{DCCAE78D-94C0-4001-BD34-E811D60F41B0}" type="slidenum">
+            <a:fld id="{4C3A910D-BA27-4DF1-A78E-DD5B2EFE666E}" type="slidenum">
               <a:rPr lang="zh-CN" altLang="en-US" smtClean="0"/>
               <a:t>‹#›</a:t>
             </a:fld>
@@ -2014,7 +2014,7 @@
     </p:spTree>
     <p:extLst>
       <p:ext uri="{BB962C8B-B14F-4D97-AF65-F5344CB8AC3E}">
-        <p14:creationId xmlns:p14="http://schemas.microsoft.com/office/powerpoint/2010/main" val="2506014406"/>
+        <p14:creationId xmlns:p14="http://schemas.microsoft.com/office/powerpoint/2010/main" val="4225806804"/>
       </p:ext>
     </p:extLst>
   </p:cSld>
@@ -2046,7 +2046,7 @@
           <p:cNvPr id="2" name="日期占位符 1">
             <a:extLst>
               <a:ext uri="{FF2B5EF4-FFF2-40B4-BE49-F238E27FC236}">
-                <a16:creationId xmlns:a16="http://schemas.microsoft.com/office/drawing/2014/main" id="{E26AEFB0-5038-186B-DAFC-8C37BB915F76}"/>
+                <a16:creationId xmlns:a16="http://schemas.microsoft.com/office/drawing/2014/main" id="{4065DEC5-BACB-5CA1-EE9D-0351FAE02241}"/>
               </a:ext>
             </a:extLst>
           </p:cNvPr>
@@ -2062,7 +2062,7 @@
           <a:bodyPr/>
           <a:lstStyle/>
           <a:p>
-            <a:fld id="{A3B25F7F-2ECD-4021-81AB-6EA1EE44746B}" type="datetimeFigureOut">
+            <a:fld id="{97B1A5D5-6A55-40B4-8D37-496C09E0767C}" type="datetimeFigureOut">
               <a:rPr lang="zh-CN" altLang="en-US" smtClean="0"/>
               <a:t>2024/3/10</a:t>
             </a:fld>
@@ -2075,7 +2075,7 @@
           <p:cNvPr id="3" name="页脚占位符 2">
             <a:extLst>
               <a:ext uri="{FF2B5EF4-FFF2-40B4-BE49-F238E27FC236}">
-                <a16:creationId xmlns:a16="http://schemas.microsoft.com/office/drawing/2014/main" id="{595E4EBA-9CAB-EA99-276B-2D459ABA6B55}"/>
+                <a16:creationId xmlns:a16="http://schemas.microsoft.com/office/drawing/2014/main" id="{B156607A-5642-CE82-79FB-05EF74ED1FE4}"/>
               </a:ext>
             </a:extLst>
           </p:cNvPr>
@@ -2100,7 +2100,7 @@
           <p:cNvPr id="4" name="灯片编号占位符 3">
             <a:extLst>
               <a:ext uri="{FF2B5EF4-FFF2-40B4-BE49-F238E27FC236}">
-                <a16:creationId xmlns:a16="http://schemas.microsoft.com/office/drawing/2014/main" id="{D92217C3-40C3-3093-46B4-B76408B69234}"/>
+                <a16:creationId xmlns:a16="http://schemas.microsoft.com/office/drawing/2014/main" id="{8118E515-F3C3-2F6A-0FAB-F47FFF28C4F4}"/>
               </a:ext>
             </a:extLst>
           </p:cNvPr>
@@ -2116,7 +2116,7 @@
           <a:bodyPr/>
           <a:lstStyle/>
           <a:p>
-            <a:fld id="{DCCAE78D-94C0-4001-BD34-E811D60F41B0}" type="slidenum">
+            <a:fld id="{4C3A910D-BA27-4DF1-A78E-DD5B2EFE666E}" type="slidenum">
               <a:rPr lang="zh-CN" altLang="en-US" smtClean="0"/>
               <a:t>‹#›</a:t>
             </a:fld>
@@ -2127,7 +2127,7 @@
     </p:spTree>
     <p:extLst>
       <p:ext uri="{BB962C8B-B14F-4D97-AF65-F5344CB8AC3E}">
-        <p14:creationId xmlns:p14="http://schemas.microsoft.com/office/powerpoint/2010/main" val="1043875933"/>
+        <p14:creationId xmlns:p14="http://schemas.microsoft.com/office/powerpoint/2010/main" val="3894856424"/>
       </p:ext>
     </p:extLst>
   </p:cSld>
@@ -2159,7 +2159,7 @@
           <p:cNvPr id="2" name="标题 1">
             <a:extLst>
               <a:ext uri="{FF2B5EF4-FFF2-40B4-BE49-F238E27FC236}">
-                <a16:creationId xmlns:a16="http://schemas.microsoft.com/office/drawing/2014/main" id="{18CD3DCB-61F7-203C-64A3-A44CE0BF8529}"/>
+                <a16:creationId xmlns:a16="http://schemas.microsoft.com/office/drawing/2014/main" id="{64C682D2-3E7E-956B-C5CA-84F1B030F353}"/>
               </a:ext>
             </a:extLst>
           </p:cNvPr>
@@ -2196,7 +2196,7 @@
           <p:cNvPr id="3" name="内容占位符 2">
             <a:extLst>
               <a:ext uri="{FF2B5EF4-FFF2-40B4-BE49-F238E27FC236}">
-                <a16:creationId xmlns:a16="http://schemas.microsoft.com/office/drawing/2014/main" id="{A4A92F80-82AA-7030-BA1C-EC442A09FDCA}"/>
+                <a16:creationId xmlns:a16="http://schemas.microsoft.com/office/drawing/2014/main" id="{F8DC8CB0-1E8B-2304-D713-0ACF77B39DF8}"/>
               </a:ext>
             </a:extLst>
           </p:cNvPr>
@@ -2286,7 +2286,7 @@
           <p:cNvPr id="4" name="文本占位符 3">
             <a:extLst>
               <a:ext uri="{FF2B5EF4-FFF2-40B4-BE49-F238E27FC236}">
-                <a16:creationId xmlns:a16="http://schemas.microsoft.com/office/drawing/2014/main" id="{A442116A-A9B4-BA49-1655-240E440E04F1}"/>
+                <a16:creationId xmlns:a16="http://schemas.microsoft.com/office/drawing/2014/main" id="{CD54E56D-FF72-04C1-AC38-20AE0F9EA57D}"/>
               </a:ext>
             </a:extLst>
           </p:cNvPr>
@@ -2357,7 +2357,7 @@
           <p:cNvPr id="5" name="日期占位符 4">
             <a:extLst>
               <a:ext uri="{FF2B5EF4-FFF2-40B4-BE49-F238E27FC236}">
-                <a16:creationId xmlns:a16="http://schemas.microsoft.com/office/drawing/2014/main" id="{C6B629B7-47C8-0674-0AA2-91E03FB8E728}"/>
+                <a16:creationId xmlns:a16="http://schemas.microsoft.com/office/drawing/2014/main" id="{03BA4D60-488E-3E7D-6854-7D2958787B01}"/>
               </a:ext>
             </a:extLst>
           </p:cNvPr>
@@ -2373,7 +2373,7 @@
           <a:bodyPr/>
           <a:lstStyle/>
           <a:p>
-            <a:fld id="{A3B25F7F-2ECD-4021-81AB-6EA1EE44746B}" type="datetimeFigureOut">
+            <a:fld id="{97B1A5D5-6A55-40B4-8D37-496C09E0767C}" type="datetimeFigureOut">
               <a:rPr lang="zh-CN" altLang="en-US" smtClean="0"/>
               <a:t>2024/3/10</a:t>
             </a:fld>
@@ -2386,7 +2386,7 @@
           <p:cNvPr id="6" name="页脚占位符 5">
             <a:extLst>
               <a:ext uri="{FF2B5EF4-FFF2-40B4-BE49-F238E27FC236}">
-                <a16:creationId xmlns:a16="http://schemas.microsoft.com/office/drawing/2014/main" id="{2E45AC38-E554-13A8-3734-198CC0A72908}"/>
+                <a16:creationId xmlns:a16="http://schemas.microsoft.com/office/drawing/2014/main" id="{07036A08-2421-810A-7D2A-1D4A5BCFA551}"/>
               </a:ext>
             </a:extLst>
           </p:cNvPr>
@@ -2411,7 +2411,7 @@
           <p:cNvPr id="7" name="灯片编号占位符 6">
             <a:extLst>
               <a:ext uri="{FF2B5EF4-FFF2-40B4-BE49-F238E27FC236}">
-                <a16:creationId xmlns:a16="http://schemas.microsoft.com/office/drawing/2014/main" id="{44229EF3-E6F4-CFA5-9768-7EF2B4F3C183}"/>
+                <a16:creationId xmlns:a16="http://schemas.microsoft.com/office/drawing/2014/main" id="{08CE54F6-34E9-1A21-3463-25A0930E9B4C}"/>
               </a:ext>
             </a:extLst>
           </p:cNvPr>
@@ -2427,7 +2427,7 @@
           <a:bodyPr/>
           <a:lstStyle/>
           <a:p>
-            <a:fld id="{DCCAE78D-94C0-4001-BD34-E811D60F41B0}" type="slidenum">
+            <a:fld id="{4C3A910D-BA27-4DF1-A78E-DD5B2EFE666E}" type="slidenum">
               <a:rPr lang="zh-CN" altLang="en-US" smtClean="0"/>
               <a:t>‹#›</a:t>
             </a:fld>
@@ -2438,7 +2438,7 @@
     </p:spTree>
     <p:extLst>
       <p:ext uri="{BB962C8B-B14F-4D97-AF65-F5344CB8AC3E}">
-        <p14:creationId xmlns:p14="http://schemas.microsoft.com/office/powerpoint/2010/main" val="1268119827"/>
+        <p14:creationId xmlns:p14="http://schemas.microsoft.com/office/powerpoint/2010/main" val="1590413702"/>
       </p:ext>
     </p:extLst>
   </p:cSld>
@@ -2470,7 +2470,7 @@
           <p:cNvPr id="2" name="标题 1">
             <a:extLst>
               <a:ext uri="{FF2B5EF4-FFF2-40B4-BE49-F238E27FC236}">
-                <a16:creationId xmlns:a16="http://schemas.microsoft.com/office/drawing/2014/main" id="{3FBB9964-2352-F36E-A412-DE3E58F38D14}"/>
+                <a16:creationId xmlns:a16="http://schemas.microsoft.com/office/drawing/2014/main" id="{A79B1933-7E58-B6CA-6F5D-821D93F6FAF4}"/>
               </a:ext>
             </a:extLst>
           </p:cNvPr>
@@ -2507,7 +2507,7 @@
           <p:cNvPr id="3" name="图片占位符 2">
             <a:extLst>
               <a:ext uri="{FF2B5EF4-FFF2-40B4-BE49-F238E27FC236}">
-                <a16:creationId xmlns:a16="http://schemas.microsoft.com/office/drawing/2014/main" id="{CE7CDFFD-17E5-1EAF-374C-86F1FF80B5E2}"/>
+                <a16:creationId xmlns:a16="http://schemas.microsoft.com/office/drawing/2014/main" id="{F23A076E-9C3A-9B11-C9C5-6EE2C5CF9276}"/>
               </a:ext>
             </a:extLst>
           </p:cNvPr>
@@ -2574,7 +2574,7 @@
           <p:cNvPr id="4" name="文本占位符 3">
             <a:extLst>
               <a:ext uri="{FF2B5EF4-FFF2-40B4-BE49-F238E27FC236}">
-                <a16:creationId xmlns:a16="http://schemas.microsoft.com/office/drawing/2014/main" id="{D959CE6A-393A-5706-8CEC-A29E6E2F851F}"/>
+                <a16:creationId xmlns:a16="http://schemas.microsoft.com/office/drawing/2014/main" id="{3392D6DE-F2CC-9C4E-55D7-AB68AE4DBB16}"/>
               </a:ext>
             </a:extLst>
           </p:cNvPr>
@@ -2645,7 +2645,7 @@
           <p:cNvPr id="5" name="日期占位符 4">
             <a:extLst>
               <a:ext uri="{FF2B5EF4-FFF2-40B4-BE49-F238E27FC236}">
-                <a16:creationId xmlns:a16="http://schemas.microsoft.com/office/drawing/2014/main" id="{1CA5BE59-B530-3B92-3531-DB87DFF86CE9}"/>
+                <a16:creationId xmlns:a16="http://schemas.microsoft.com/office/drawing/2014/main" id="{CE02B580-F2A4-1F31-625C-47BF2A8F8158}"/>
               </a:ext>
             </a:extLst>
           </p:cNvPr>
@@ -2661,7 +2661,7 @@
           <a:bodyPr/>
           <a:lstStyle/>
           <a:p>
-            <a:fld id="{A3B25F7F-2ECD-4021-81AB-6EA1EE44746B}" type="datetimeFigureOut">
+            <a:fld id="{97B1A5D5-6A55-40B4-8D37-496C09E0767C}" type="datetimeFigureOut">
               <a:rPr lang="zh-CN" altLang="en-US" smtClean="0"/>
               <a:t>2024/3/10</a:t>
             </a:fld>
@@ -2674,7 +2674,7 @@
           <p:cNvPr id="6" name="页脚占位符 5">
             <a:extLst>
               <a:ext uri="{FF2B5EF4-FFF2-40B4-BE49-F238E27FC236}">
-                <a16:creationId xmlns:a16="http://schemas.microsoft.com/office/drawing/2014/main" id="{D3CADB4C-B19E-6D08-0976-7E415AEF9BC7}"/>
+                <a16:creationId xmlns:a16="http://schemas.microsoft.com/office/drawing/2014/main" id="{1C8E948E-C7EF-D237-285C-0592C8327CE7}"/>
               </a:ext>
             </a:extLst>
           </p:cNvPr>
@@ -2699,7 +2699,7 @@
           <p:cNvPr id="7" name="灯片编号占位符 6">
             <a:extLst>
               <a:ext uri="{FF2B5EF4-FFF2-40B4-BE49-F238E27FC236}">
-                <a16:creationId xmlns:a16="http://schemas.microsoft.com/office/drawing/2014/main" id="{69FF876F-90C6-15CE-0EE4-06B8F43F1B6E}"/>
+                <a16:creationId xmlns:a16="http://schemas.microsoft.com/office/drawing/2014/main" id="{0078E2D2-169F-905E-63AA-C2D51CDBA5E7}"/>
               </a:ext>
             </a:extLst>
           </p:cNvPr>
@@ -2715,7 +2715,7 @@
           <a:bodyPr/>
           <a:lstStyle/>
           <a:p>
-            <a:fld id="{DCCAE78D-94C0-4001-BD34-E811D60F41B0}" type="slidenum">
+            <a:fld id="{4C3A910D-BA27-4DF1-A78E-DD5B2EFE666E}" type="slidenum">
               <a:rPr lang="zh-CN" altLang="en-US" smtClean="0"/>
               <a:t>‹#›</a:t>
             </a:fld>
@@ -2726,7 +2726,7 @@
     </p:spTree>
     <p:extLst>
       <p:ext uri="{BB962C8B-B14F-4D97-AF65-F5344CB8AC3E}">
-        <p14:creationId xmlns:p14="http://schemas.microsoft.com/office/powerpoint/2010/main" val="1036771242"/>
+        <p14:creationId xmlns:p14="http://schemas.microsoft.com/office/powerpoint/2010/main" val="2725481509"/>
       </p:ext>
     </p:extLst>
   </p:cSld>
@@ -2763,7 +2763,7 @@
           <p:cNvPr id="2" name="标题占位符 1">
             <a:extLst>
               <a:ext uri="{FF2B5EF4-FFF2-40B4-BE49-F238E27FC236}">
-                <a16:creationId xmlns:a16="http://schemas.microsoft.com/office/drawing/2014/main" id="{579C6D7B-DAB4-FA5A-B00C-B24498C218C2}"/>
+                <a16:creationId xmlns:a16="http://schemas.microsoft.com/office/drawing/2014/main" id="{E2736913-5BE9-9506-9D7F-E327D2090EEF}"/>
               </a:ext>
             </a:extLst>
           </p:cNvPr>
@@ -2801,7 +2801,7 @@
           <p:cNvPr id="3" name="文本占位符 2">
             <a:extLst>
               <a:ext uri="{FF2B5EF4-FFF2-40B4-BE49-F238E27FC236}">
-                <a16:creationId xmlns:a16="http://schemas.microsoft.com/office/drawing/2014/main" id="{F2346300-8550-E34E-BA73-8BAE039BA3F0}"/>
+                <a16:creationId xmlns:a16="http://schemas.microsoft.com/office/drawing/2014/main" id="{5D931F15-9E41-3A11-2967-F9C6B4BF449A}"/>
               </a:ext>
             </a:extLst>
           </p:cNvPr>
@@ -2868,7 +2868,7 @@
           <p:cNvPr id="4" name="日期占位符 3">
             <a:extLst>
               <a:ext uri="{FF2B5EF4-FFF2-40B4-BE49-F238E27FC236}">
-                <a16:creationId xmlns:a16="http://schemas.microsoft.com/office/drawing/2014/main" id="{4BDA69A0-DC7F-6D7A-6137-41FBDCE04586}"/>
+                <a16:creationId xmlns:a16="http://schemas.microsoft.com/office/drawing/2014/main" id="{4056C9B4-2726-A68C-EF52-35F151BDD273}"/>
               </a:ext>
             </a:extLst>
           </p:cNvPr>
@@ -2902,7 +2902,7 @@
             </a:lvl1pPr>
           </a:lstStyle>
           <a:p>
-            <a:fld id="{A3B25F7F-2ECD-4021-81AB-6EA1EE44746B}" type="datetimeFigureOut">
+            <a:fld id="{97B1A5D5-6A55-40B4-8D37-496C09E0767C}" type="datetimeFigureOut">
               <a:rPr lang="zh-CN" altLang="en-US" smtClean="0"/>
               <a:t>2024/3/10</a:t>
             </a:fld>
@@ -2915,7 +2915,7 @@
           <p:cNvPr id="5" name="页脚占位符 4">
             <a:extLst>
               <a:ext uri="{FF2B5EF4-FFF2-40B4-BE49-F238E27FC236}">
-                <a16:creationId xmlns:a16="http://schemas.microsoft.com/office/drawing/2014/main" id="{E0B64CFB-D270-E87B-6507-0BD69BF6982B}"/>
+                <a16:creationId xmlns:a16="http://schemas.microsoft.com/office/drawing/2014/main" id="{609F30D6-3D60-E62D-8112-1C3C3D0822FC}"/>
               </a:ext>
             </a:extLst>
           </p:cNvPr>
@@ -2958,7 +2958,7 @@
           <p:cNvPr id="6" name="灯片编号占位符 5">
             <a:extLst>
               <a:ext uri="{FF2B5EF4-FFF2-40B4-BE49-F238E27FC236}">
-                <a16:creationId xmlns:a16="http://schemas.microsoft.com/office/drawing/2014/main" id="{7BDD3235-E2B5-4CC4-5C2A-9475C9FF5404}"/>
+                <a16:creationId xmlns:a16="http://schemas.microsoft.com/office/drawing/2014/main" id="{36135C89-D40F-D0B6-CF63-62B5ACB523BF}"/>
               </a:ext>
             </a:extLst>
           </p:cNvPr>
@@ -2992,7 +2992,7 @@
             </a:lvl1pPr>
           </a:lstStyle>
           <a:p>
-            <a:fld id="{DCCAE78D-94C0-4001-BD34-E811D60F41B0}" type="slidenum">
+            <a:fld id="{4C3A910D-BA27-4DF1-A78E-DD5B2EFE666E}" type="slidenum">
               <a:rPr lang="zh-CN" altLang="en-US" smtClean="0"/>
               <a:t>‹#›</a:t>
             </a:fld>
@@ -3003,7 +3003,7 @@
     </p:spTree>
     <p:extLst>
       <p:ext uri="{BB962C8B-B14F-4D97-AF65-F5344CB8AC3E}">
-        <p14:creationId xmlns:p14="http://schemas.microsoft.com/office/powerpoint/2010/main" val="2005927705"/>
+        <p14:creationId xmlns:p14="http://schemas.microsoft.com/office/powerpoint/2010/main" val="3526681418"/>
       </p:ext>
     </p:extLst>
   </p:cSld>
